--- a/IntelliPark.pptx
+++ b/IntelliPark.pptx
@@ -8,6 +8,7 @@
     <p:sldId id="256" r:id="rId2"/>
     <p:sldId id="257" r:id="rId3"/>
     <p:sldId id="258" r:id="rId4"/>
+    <p:sldId id="259" r:id="rId5"/>
   </p:sldIdLst>
   <p:sldSz cx="12192000" cy="6858000"/>
   <p:notesSz cx="6858000" cy="9144000"/>
@@ -3489,8 +3490,8 @@
         </p:blipFill>
         <p:spPr>
           <a:xfrm>
-            <a:off x="649111" y="365125"/>
-            <a:ext cx="10893778" cy="6127750"/>
+            <a:off x="0" y="0"/>
+            <a:ext cx="12192000" cy="6858000"/>
           </a:xfrm>
         </p:spPr>
       </p:pic>
@@ -3565,16 +3566,15 @@
             <p:ph idx="1"/>
           </p:nvPr>
         </p:nvPicPr>
-        <p:blipFill>
+        <p:blipFill rotWithShape="1">
           <a:blip r:embed="rId2"/>
-          <a:stretch>
-            <a:fillRect/>
-          </a:stretch>
+          <a:srcRect l="12474" t="34969" r="25262" b="33775"/>
+          <a:stretch/>
         </p:blipFill>
         <p:spPr>
           <a:xfrm>
-            <a:off x="1556658" y="-481693"/>
-            <a:ext cx="10428514" cy="7821385"/>
+            <a:off x="-16293" y="1130860"/>
+            <a:ext cx="12208293" cy="4596280"/>
           </a:xfrm>
         </p:spPr>
       </p:pic>
@@ -3582,6 +3582,89 @@
     <p:extLst>
       <p:ext uri="{BB962C8B-B14F-4D97-AF65-F5344CB8AC3E}">
         <p14:creationId xmlns:p14="http://schemas.microsoft.com/office/powerpoint/2010/main" val="3165174903"/>
+      </p:ext>
+    </p:extLst>
+  </p:cSld>
+  <p:clrMapOvr>
+    <a:masterClrMapping/>
+  </p:clrMapOvr>
+</p:sld>
+</file>
+
+<file path=ppt/slides/slide4.xml><?xml version="1.0" encoding="utf-8"?>
+<p:sld xmlns:a="http://schemas.openxmlformats.org/drawingml/2006/main" xmlns:r="http://schemas.openxmlformats.org/officeDocument/2006/relationships" xmlns:p="http://schemas.openxmlformats.org/presentationml/2006/main">
+  <p:cSld>
+    <p:spTree>
+      <p:nvGrpSpPr>
+        <p:cNvPr id="1" name=""/>
+        <p:cNvGrpSpPr/>
+        <p:nvPr/>
+      </p:nvGrpSpPr>
+      <p:grpSpPr>
+        <a:xfrm>
+          <a:off x="0" y="0"/>
+          <a:ext cx="0" cy="0"/>
+          <a:chOff x="0" y="0"/>
+          <a:chExt cx="0" cy="0"/>
+        </a:xfrm>
+      </p:grpSpPr>
+      <p:sp>
+        <p:nvSpPr>
+          <p:cNvPr id="2" name="Titel 1">
+            <a:extLst>
+              <a:ext uri="{FF2B5EF4-FFF2-40B4-BE49-F238E27FC236}">
+                <a16:creationId xmlns:a16="http://schemas.microsoft.com/office/drawing/2014/main" id="{E9C88D98-B652-E380-CAE2-ABBA66B4FA0C}"/>
+              </a:ext>
+            </a:extLst>
+          </p:cNvPr>
+          <p:cNvSpPr>
+            <a:spLocks noGrp="1"/>
+          </p:cNvSpPr>
+          <p:nvPr>
+            <p:ph type="title"/>
+          </p:nvPr>
+        </p:nvSpPr>
+        <p:spPr/>
+        <p:txBody>
+          <a:bodyPr/>
+          <a:lstStyle/>
+          <a:p>
+            <a:endParaRPr lang="de-DE"/>
+          </a:p>
+        </p:txBody>
+      </p:sp>
+      <p:pic>
+        <p:nvPicPr>
+          <p:cNvPr id="5" name="Inhaltsplatzhalter 4">
+            <a:extLst>
+              <a:ext uri="{FF2B5EF4-FFF2-40B4-BE49-F238E27FC236}">
+                <a16:creationId xmlns:a16="http://schemas.microsoft.com/office/drawing/2014/main" id="{58B489D9-19E3-90EA-AC8A-948D14BC156B}"/>
+              </a:ext>
+            </a:extLst>
+          </p:cNvPr>
+          <p:cNvPicPr>
+            <a:picLocks noGrp="1" noChangeAspect="1"/>
+          </p:cNvPicPr>
+          <p:nvPr>
+            <p:ph idx="1"/>
+          </p:nvPr>
+        </p:nvPicPr>
+        <p:blipFill rotWithShape="1">
+          <a:blip r:embed="rId2"/>
+          <a:srcRect l="8333" t="3651" r="1328" b="7937"/>
+          <a:stretch/>
+        </p:blipFill>
+        <p:spPr>
+          <a:xfrm>
+            <a:off x="1491167" y="0"/>
+            <a:ext cx="9209665" cy="6858000"/>
+          </a:xfrm>
+        </p:spPr>
+      </p:pic>
+    </p:spTree>
+    <p:extLst>
+      <p:ext uri="{BB962C8B-B14F-4D97-AF65-F5344CB8AC3E}">
+        <p14:creationId xmlns:p14="http://schemas.microsoft.com/office/powerpoint/2010/main" val="1092716757"/>
       </p:ext>
     </p:extLst>
   </p:cSld>

--- a/IntelliPark.pptx
+++ b/IntelliPark.pptx
@@ -8,7 +8,8 @@
     <p:sldId id="256" r:id="rId2"/>
     <p:sldId id="257" r:id="rId3"/>
     <p:sldId id="258" r:id="rId4"/>
-    <p:sldId id="259" r:id="rId5"/>
+    <p:sldId id="260" r:id="rId5"/>
+    <p:sldId id="259" r:id="rId6"/>
   </p:sldIdLst>
   <p:sldSz cx="12192000" cy="6858000"/>
   <p:notesSz cx="6858000" cy="9144000"/>
@@ -107,6 +108,11 @@
       </a:defRPr>
     </a:lvl9pPr>
   </p:defaultTextStyle>
+  <p:extLst>
+    <p:ext uri="{EFAFB233-063F-42B5-8137-9DF3F51BA10A}">
+      <p15:sldGuideLst xmlns:p15="http://schemas.microsoft.com/office/powerpoint/2012/main"/>
+    </p:ext>
+  </p:extLst>
 </p:presentation>
 </file>
 
@@ -257,7 +263,7 @@
           <a:p>
             <a:fld id="{4DDEEDA8-3D6A-C741-86EC-704A0D81EB64}" type="datetimeFigureOut">
               <a:rPr lang="de-DE" smtClean="0"/>
-              <a:t>26.05.23</a:t>
+              <a:t>27.05.23</a:t>
             </a:fld>
             <a:endParaRPr lang="de-DE"/>
           </a:p>
@@ -455,7 +461,7 @@
           <a:p>
             <a:fld id="{4DDEEDA8-3D6A-C741-86EC-704A0D81EB64}" type="datetimeFigureOut">
               <a:rPr lang="de-DE" smtClean="0"/>
-              <a:t>26.05.23</a:t>
+              <a:t>27.05.23</a:t>
             </a:fld>
             <a:endParaRPr lang="de-DE"/>
           </a:p>
@@ -663,7 +669,7 @@
           <a:p>
             <a:fld id="{4DDEEDA8-3D6A-C741-86EC-704A0D81EB64}" type="datetimeFigureOut">
               <a:rPr lang="de-DE" smtClean="0"/>
-              <a:t>26.05.23</a:t>
+              <a:t>27.05.23</a:t>
             </a:fld>
             <a:endParaRPr lang="de-DE"/>
           </a:p>
@@ -861,7 +867,7 @@
           <a:p>
             <a:fld id="{4DDEEDA8-3D6A-C741-86EC-704A0D81EB64}" type="datetimeFigureOut">
               <a:rPr lang="de-DE" smtClean="0"/>
-              <a:t>26.05.23</a:t>
+              <a:t>27.05.23</a:t>
             </a:fld>
             <a:endParaRPr lang="de-DE"/>
           </a:p>
@@ -1136,7 +1142,7 @@
           <a:p>
             <a:fld id="{4DDEEDA8-3D6A-C741-86EC-704A0D81EB64}" type="datetimeFigureOut">
               <a:rPr lang="de-DE" smtClean="0"/>
-              <a:t>26.05.23</a:t>
+              <a:t>27.05.23</a:t>
             </a:fld>
             <a:endParaRPr lang="de-DE"/>
           </a:p>
@@ -1401,7 +1407,7 @@
           <a:p>
             <a:fld id="{4DDEEDA8-3D6A-C741-86EC-704A0D81EB64}" type="datetimeFigureOut">
               <a:rPr lang="de-DE" smtClean="0"/>
-              <a:t>26.05.23</a:t>
+              <a:t>27.05.23</a:t>
             </a:fld>
             <a:endParaRPr lang="de-DE"/>
           </a:p>
@@ -1813,7 +1819,7 @@
           <a:p>
             <a:fld id="{4DDEEDA8-3D6A-C741-86EC-704A0D81EB64}" type="datetimeFigureOut">
               <a:rPr lang="de-DE" smtClean="0"/>
-              <a:t>26.05.23</a:t>
+              <a:t>27.05.23</a:t>
             </a:fld>
             <a:endParaRPr lang="de-DE"/>
           </a:p>
@@ -1954,7 +1960,7 @@
           <a:p>
             <a:fld id="{4DDEEDA8-3D6A-C741-86EC-704A0D81EB64}" type="datetimeFigureOut">
               <a:rPr lang="de-DE" smtClean="0"/>
-              <a:t>26.05.23</a:t>
+              <a:t>27.05.23</a:t>
             </a:fld>
             <a:endParaRPr lang="de-DE"/>
           </a:p>
@@ -2067,7 +2073,7 @@
           <a:p>
             <a:fld id="{4DDEEDA8-3D6A-C741-86EC-704A0D81EB64}" type="datetimeFigureOut">
               <a:rPr lang="de-DE" smtClean="0"/>
-              <a:t>26.05.23</a:t>
+              <a:t>27.05.23</a:t>
             </a:fld>
             <a:endParaRPr lang="de-DE"/>
           </a:p>
@@ -2378,7 +2384,7 @@
           <a:p>
             <a:fld id="{4DDEEDA8-3D6A-C741-86EC-704A0D81EB64}" type="datetimeFigureOut">
               <a:rPr lang="de-DE" smtClean="0"/>
-              <a:t>26.05.23</a:t>
+              <a:t>27.05.23</a:t>
             </a:fld>
             <a:endParaRPr lang="de-DE"/>
           </a:p>
@@ -2666,7 +2672,7 @@
           <a:p>
             <a:fld id="{4DDEEDA8-3D6A-C741-86EC-704A0D81EB64}" type="datetimeFigureOut">
               <a:rPr lang="de-DE" smtClean="0"/>
-              <a:t>26.05.23</a:t>
+              <a:t>27.05.23</a:t>
             </a:fld>
             <a:endParaRPr lang="de-DE"/>
           </a:p>
@@ -2907,7 +2913,7 @@
           <a:p>
             <a:fld id="{4DDEEDA8-3D6A-C741-86EC-704A0D81EB64}" type="datetimeFigureOut">
               <a:rPr lang="de-DE" smtClean="0"/>
-              <a:t>26.05.23</a:t>
+              <a:t>27.05.23</a:t>
             </a:fld>
             <a:endParaRPr lang="de-DE"/>
           </a:p>
@@ -3375,6 +3381,16 @@
           <a:lstStyle/>
           <a:p>
             <a:r>
+              <a:rPr lang="de-DE" dirty="0" err="1"/>
+              <a:t>Hackaburg</a:t>
+            </a:r>
+            <a:r>
+              <a:rPr lang="de-DE" dirty="0"/>
+              <a:t> 2023</a:t>
+            </a:r>
+          </a:p>
+          <a:p>
+            <a:r>
               <a:rPr lang="de-DE" dirty="0"/>
               <a:t>Justus Beck, Julius Hege, Daniel Schlichting</a:t>
             </a:r>
@@ -3592,6 +3608,90 @@
 </file>
 
 <file path=ppt/slides/slide4.xml><?xml version="1.0" encoding="utf-8"?>
+<p:sld xmlns:a="http://schemas.openxmlformats.org/drawingml/2006/main" xmlns:r="http://schemas.openxmlformats.org/officeDocument/2006/relationships" xmlns:p="http://schemas.openxmlformats.org/presentationml/2006/main">
+  <p:cSld>
+    <p:spTree>
+      <p:nvGrpSpPr>
+        <p:cNvPr id="1" name=""/>
+        <p:cNvGrpSpPr/>
+        <p:nvPr/>
+      </p:nvGrpSpPr>
+      <p:grpSpPr>
+        <a:xfrm>
+          <a:off x="0" y="0"/>
+          <a:ext cx="0" cy="0"/>
+          <a:chOff x="0" y="0"/>
+          <a:chExt cx="0" cy="0"/>
+        </a:xfrm>
+      </p:grpSpPr>
+      <p:sp>
+        <p:nvSpPr>
+          <p:cNvPr id="2" name="Titel 1">
+            <a:extLst>
+              <a:ext uri="{FF2B5EF4-FFF2-40B4-BE49-F238E27FC236}">
+                <a16:creationId xmlns:a16="http://schemas.microsoft.com/office/drawing/2014/main" id="{8E2027EE-EFD0-2E4A-8799-003E45CD5CB3}"/>
+              </a:ext>
+            </a:extLst>
+          </p:cNvPr>
+          <p:cNvSpPr>
+            <a:spLocks noGrp="1"/>
+          </p:cNvSpPr>
+          <p:nvPr>
+            <p:ph type="title"/>
+          </p:nvPr>
+        </p:nvSpPr>
+        <p:spPr/>
+        <p:txBody>
+          <a:bodyPr/>
+          <a:lstStyle/>
+          <a:p>
+            <a:endParaRPr lang="de-DE"/>
+          </a:p>
+        </p:txBody>
+      </p:sp>
+      <p:pic>
+        <p:nvPicPr>
+          <p:cNvPr id="5" name="Inhaltsplatzhalter 4">
+            <a:extLst>
+              <a:ext uri="{FF2B5EF4-FFF2-40B4-BE49-F238E27FC236}">
+                <a16:creationId xmlns:a16="http://schemas.microsoft.com/office/drawing/2014/main" id="{249BC817-3A30-0A09-FDE8-73C7FF185E26}"/>
+              </a:ext>
+            </a:extLst>
+          </p:cNvPr>
+          <p:cNvPicPr>
+            <a:picLocks noGrp="1" noChangeAspect="1"/>
+          </p:cNvPicPr>
+          <p:nvPr>
+            <p:ph idx="1"/>
+          </p:nvPr>
+        </p:nvPicPr>
+        <p:blipFill>
+          <a:blip r:embed="rId2"/>
+          <a:stretch>
+            <a:fillRect/>
+          </a:stretch>
+        </p:blipFill>
+        <p:spPr>
+          <a:xfrm>
+            <a:off x="1521354" y="0"/>
+            <a:ext cx="9149291" cy="6861968"/>
+          </a:xfrm>
+        </p:spPr>
+      </p:pic>
+    </p:spTree>
+    <p:extLst>
+      <p:ext uri="{BB962C8B-B14F-4D97-AF65-F5344CB8AC3E}">
+        <p14:creationId xmlns:p14="http://schemas.microsoft.com/office/powerpoint/2010/main" val="3592910692"/>
+      </p:ext>
+    </p:extLst>
+  </p:cSld>
+  <p:clrMapOvr>
+    <a:masterClrMapping/>
+  </p:clrMapOvr>
+</p:sld>
+</file>
+
+<file path=ppt/slides/slide5.xml><?xml version="1.0" encoding="utf-8"?>
 <p:sld xmlns:a="http://schemas.openxmlformats.org/drawingml/2006/main" xmlns:r="http://schemas.openxmlformats.org/officeDocument/2006/relationships" xmlns:p="http://schemas.openxmlformats.org/presentationml/2006/main">
   <p:cSld>
     <p:spTree>
